--- a/Documentation/SchemaAssignation.pptx
+++ b/Documentation/SchemaAssignation.pptx
@@ -109,6 +109,11 @@
       </a:defRPr>
     </a:lvl9pPr>
   </p:defaultTextStyle>
+  <p:extLst>
+    <p:ext uri="{EFAFB233-063F-42B5-8137-9DF3F51BA10A}">
+      <p15:sldGuideLst xmlns:p15="http://schemas.microsoft.com/office/powerpoint/2012/main"/>
+    </p:ext>
+  </p:extLst>
 </p:presentation>
 </file>
 
@@ -261,7 +266,7 @@
           <a:p>
             <a:fld id="{A2B27590-D842-4E1D-A11D-F3E5246461CF}" type="datetimeFigureOut">
               <a:rPr lang="fr-CA" smtClean="0"/>
-              <a:t>2020-05-04</a:t>
+              <a:t>2020-05-05</a:t>
             </a:fld>
             <a:endParaRPr lang="fr-CA"/>
           </a:p>
@@ -461,7 +466,7 @@
           <a:p>
             <a:fld id="{A2B27590-D842-4E1D-A11D-F3E5246461CF}" type="datetimeFigureOut">
               <a:rPr lang="fr-CA" smtClean="0"/>
-              <a:t>2020-05-04</a:t>
+              <a:t>2020-05-05</a:t>
             </a:fld>
             <a:endParaRPr lang="fr-CA"/>
           </a:p>
@@ -671,7 +676,7 @@
           <a:p>
             <a:fld id="{A2B27590-D842-4E1D-A11D-F3E5246461CF}" type="datetimeFigureOut">
               <a:rPr lang="fr-CA" smtClean="0"/>
-              <a:t>2020-05-04</a:t>
+              <a:t>2020-05-05</a:t>
             </a:fld>
             <a:endParaRPr lang="fr-CA"/>
           </a:p>
@@ -871,7 +876,7 @@
           <a:p>
             <a:fld id="{A2B27590-D842-4E1D-A11D-F3E5246461CF}" type="datetimeFigureOut">
               <a:rPr lang="fr-CA" smtClean="0"/>
-              <a:t>2020-05-04</a:t>
+              <a:t>2020-05-05</a:t>
             </a:fld>
             <a:endParaRPr lang="fr-CA"/>
           </a:p>
@@ -1147,7 +1152,7 @@
           <a:p>
             <a:fld id="{A2B27590-D842-4E1D-A11D-F3E5246461CF}" type="datetimeFigureOut">
               <a:rPr lang="fr-CA" smtClean="0"/>
-              <a:t>2020-05-04</a:t>
+              <a:t>2020-05-05</a:t>
             </a:fld>
             <a:endParaRPr lang="fr-CA"/>
           </a:p>
@@ -1415,7 +1420,7 @@
           <a:p>
             <a:fld id="{A2B27590-D842-4E1D-A11D-F3E5246461CF}" type="datetimeFigureOut">
               <a:rPr lang="fr-CA" smtClean="0"/>
-              <a:t>2020-05-04</a:t>
+              <a:t>2020-05-05</a:t>
             </a:fld>
             <a:endParaRPr lang="fr-CA"/>
           </a:p>
@@ -1830,7 +1835,7 @@
           <a:p>
             <a:fld id="{A2B27590-D842-4E1D-A11D-F3E5246461CF}" type="datetimeFigureOut">
               <a:rPr lang="fr-CA" smtClean="0"/>
-              <a:t>2020-05-04</a:t>
+              <a:t>2020-05-05</a:t>
             </a:fld>
             <a:endParaRPr lang="fr-CA"/>
           </a:p>
@@ -1972,7 +1977,7 @@
           <a:p>
             <a:fld id="{A2B27590-D842-4E1D-A11D-F3E5246461CF}" type="datetimeFigureOut">
               <a:rPr lang="fr-CA" smtClean="0"/>
-              <a:t>2020-05-04</a:t>
+              <a:t>2020-05-05</a:t>
             </a:fld>
             <a:endParaRPr lang="fr-CA"/>
           </a:p>
@@ -2085,7 +2090,7 @@
           <a:p>
             <a:fld id="{A2B27590-D842-4E1D-A11D-F3E5246461CF}" type="datetimeFigureOut">
               <a:rPr lang="fr-CA" smtClean="0"/>
-              <a:t>2020-05-04</a:t>
+              <a:t>2020-05-05</a:t>
             </a:fld>
             <a:endParaRPr lang="fr-CA"/>
           </a:p>
@@ -2398,7 +2403,7 @@
           <a:p>
             <a:fld id="{A2B27590-D842-4E1D-A11D-F3E5246461CF}" type="datetimeFigureOut">
               <a:rPr lang="fr-CA" smtClean="0"/>
-              <a:t>2020-05-04</a:t>
+              <a:t>2020-05-05</a:t>
             </a:fld>
             <a:endParaRPr lang="fr-CA"/>
           </a:p>
@@ -2687,7 +2692,7 @@
           <a:p>
             <a:fld id="{A2B27590-D842-4E1D-A11D-F3E5246461CF}" type="datetimeFigureOut">
               <a:rPr lang="fr-CA" smtClean="0"/>
-              <a:t>2020-05-04</a:t>
+              <a:t>2020-05-05</a:t>
             </a:fld>
             <a:endParaRPr lang="fr-CA"/>
           </a:p>
@@ -2930,7 +2935,7 @@
           <a:p>
             <a:fld id="{A2B27590-D842-4E1D-A11D-F3E5246461CF}" type="datetimeFigureOut">
               <a:rPr lang="fr-CA" smtClean="0"/>
-              <a:t>2020-05-04</a:t>
+              <a:t>2020-05-05</a:t>
             </a:fld>
             <a:endParaRPr lang="fr-CA"/>
           </a:p>
@@ -8965,54 +8970,6 @@
           </a:prstGeom>
         </p:spPr>
       </p:pic>
-      <p:cxnSp>
-        <p:nvCxnSpPr>
-          <p:cNvPr id="45" name="Connecteur droit avec flèche 44"/>
-          <p:cNvCxnSpPr>
-            <a:cxnSpLocks/>
-            <a:stCxn id="9" idx="3"/>
-            <a:endCxn id="85" idx="3"/>
-          </p:cNvCxnSpPr>
-          <p:nvPr>
-            <p:custDataLst>
-              <p:tags r:id="rId23"/>
-            </p:custDataLst>
-          </p:nvPr>
-        </p:nvCxnSpPr>
-        <p:spPr>
-          <a:xfrm flipH="1">
-            <a:off x="8191004" y="676379"/>
-            <a:ext cx="108348" cy="1719362"/>
-          </a:xfrm>
-          <a:prstGeom prst="curvedConnector3">
-            <a:avLst>
-              <a:gd name="adj1" fmla="val -210987"/>
-            </a:avLst>
-          </a:prstGeom>
-          <a:ln>
-            <a:solidFill>
-              <a:schemeClr val="bg2">
-                <a:lumMod val="75000"/>
-              </a:schemeClr>
-            </a:solidFill>
-            <a:tailEnd type="triangle"/>
-          </a:ln>
-        </p:spPr>
-        <p:style>
-          <a:lnRef idx="1">
-            <a:schemeClr val="accent1"/>
-          </a:lnRef>
-          <a:fillRef idx="0">
-            <a:schemeClr val="accent1"/>
-          </a:fillRef>
-          <a:effectRef idx="0">
-            <a:schemeClr val="accent1"/>
-          </a:effectRef>
-          <a:fontRef idx="minor">
-            <a:schemeClr val="tx1"/>
-          </a:fontRef>
-        </p:style>
-      </p:cxnSp>
       <p:pic>
         <p:nvPicPr>
           <p:cNvPr id="85" name="Image 84">
@@ -9027,7 +8984,7 @@
           </p:cNvPicPr>
           <p:nvPr>
             <p:custDataLst>
-              <p:tags r:id="rId24"/>
+              <p:tags r:id="rId23"/>
             </p:custDataLst>
           </p:nvPr>
         </p:nvPicPr>
@@ -9061,7 +9018,7 @@
           </p:cNvPicPr>
           <p:nvPr>
             <p:custDataLst>
-              <p:tags r:id="rId25"/>
+              <p:tags r:id="rId24"/>
             </p:custDataLst>
           </p:nvPr>
         </p:nvPicPr>
@@ -9095,7 +9052,7 @@
           </p:cNvPicPr>
           <p:nvPr>
             <p:custDataLst>
-              <p:tags r:id="rId26"/>
+              <p:tags r:id="rId25"/>
             </p:custDataLst>
           </p:nvPr>
         </p:nvPicPr>
@@ -9129,7 +9086,7 @@
           </p:cNvPicPr>
           <p:nvPr>
             <p:custDataLst>
-              <p:tags r:id="rId27"/>
+              <p:tags r:id="rId26"/>
             </p:custDataLst>
           </p:nvPr>
         </p:nvPicPr>
@@ -9161,7 +9118,7 @@
           <p:cNvSpPr txBox="1"/>
           <p:nvPr>
             <p:custDataLst>
-              <p:tags r:id="rId28"/>
+              <p:tags r:id="rId27"/>
             </p:custDataLst>
           </p:nvPr>
         </p:nvSpPr>
@@ -9206,7 +9163,7 @@
           </p:cNvPicPr>
           <p:nvPr>
             <p:custDataLst>
-              <p:tags r:id="rId29"/>
+              <p:tags r:id="rId28"/>
             </p:custDataLst>
           </p:nvPr>
         </p:nvPicPr>
@@ -9219,36 +9176,6 @@
           <a:xfrm flipV="1">
             <a:off x="8815188" y="1177334"/>
             <a:ext cx="2510479" cy="45719"/>
-          </a:xfrm>
-          <a:prstGeom prst="rect">
-            <a:avLst/>
-          </a:prstGeom>
-        </p:spPr>
-      </p:pic>
-      <p:pic>
-        <p:nvPicPr>
-          <p:cNvPr id="93" name="Image 92">
-            <a:extLst>
-              <a:ext uri="{FF2B5EF4-FFF2-40B4-BE49-F238E27FC236}">
-                <a16:creationId xmlns:a16="http://schemas.microsoft.com/office/drawing/2014/main" id="{6FE8AB18-BB15-4193-86BD-F6E83B87DE92}"/>
-              </a:ext>
-            </a:extLst>
-          </p:cNvPr>
-          <p:cNvPicPr>
-            <a:picLocks noChangeAspect="1"/>
-          </p:cNvPicPr>
-          <p:nvPr/>
-        </p:nvPicPr>
-        <p:blipFill>
-          <a:blip r:embed="rId57"/>
-          <a:stretch>
-            <a:fillRect/>
-          </a:stretch>
-        </p:blipFill>
-        <p:spPr>
-          <a:xfrm>
-            <a:off x="8299352" y="784571"/>
-            <a:ext cx="428685" cy="438211"/>
           </a:xfrm>
           <a:prstGeom prst="rect">
             <a:avLst/>
@@ -9316,7 +9243,7 @@
           <p:nvPr/>
         </p:nvPicPr>
         <p:blipFill>
-          <a:blip r:embed="rId58"/>
+          <a:blip r:embed="rId57"/>
           <a:stretch>
             <a:fillRect/>
           </a:stretch>
@@ -9555,12 +9482,12 @@
           </p:cNvPicPr>
           <p:nvPr>
             <p:custDataLst>
-              <p:tags r:id="rId30"/>
+              <p:tags r:id="rId29"/>
             </p:custDataLst>
           </p:nvPr>
         </p:nvPicPr>
         <p:blipFill>
-          <a:blip r:embed="rId59"/>
+          <a:blip r:embed="rId58"/>
           <a:stretch>
             <a:fillRect/>
           </a:stretch>
@@ -9589,12 +9516,12 @@
           </p:cNvPicPr>
           <p:nvPr>
             <p:custDataLst>
-              <p:tags r:id="rId31"/>
+              <p:tags r:id="rId30"/>
             </p:custDataLst>
           </p:nvPr>
         </p:nvPicPr>
         <p:blipFill>
-          <a:blip r:embed="rId59"/>
+          <a:blip r:embed="rId58"/>
           <a:stretch>
             <a:fillRect/>
           </a:stretch>
@@ -9623,12 +9550,12 @@
           </p:cNvPicPr>
           <p:nvPr>
             <p:custDataLst>
-              <p:tags r:id="rId32"/>
+              <p:tags r:id="rId31"/>
             </p:custDataLst>
           </p:nvPr>
         </p:nvPicPr>
         <p:blipFill>
-          <a:blip r:embed="rId59"/>
+          <a:blip r:embed="rId58"/>
           <a:stretch>
             <a:fillRect/>
           </a:stretch>
@@ -9657,12 +9584,12 @@
           </p:cNvPicPr>
           <p:nvPr>
             <p:custDataLst>
-              <p:tags r:id="rId33"/>
+              <p:tags r:id="rId32"/>
             </p:custDataLst>
           </p:nvPr>
         </p:nvPicPr>
         <p:blipFill>
-          <a:blip r:embed="rId59"/>
+          <a:blip r:embed="rId58"/>
           <a:stretch>
             <a:fillRect/>
           </a:stretch>
@@ -9731,6 +9658,84 @@
           </a:p>
         </p:txBody>
       </p:sp>
+      <p:pic>
+        <p:nvPicPr>
+          <p:cNvPr id="8" name="Image 7">
+            <a:extLst>
+              <a:ext uri="{FF2B5EF4-FFF2-40B4-BE49-F238E27FC236}">
+                <a16:creationId xmlns:a16="http://schemas.microsoft.com/office/drawing/2014/main" id="{314BA3EC-08E0-4862-8C58-543969DC8E30}"/>
+              </a:ext>
+            </a:extLst>
+          </p:cNvPr>
+          <p:cNvPicPr>
+            <a:picLocks noChangeAspect="1"/>
+          </p:cNvPicPr>
+          <p:nvPr/>
+        </p:nvPicPr>
+        <p:blipFill>
+          <a:blip r:embed="rId59"/>
+          <a:stretch>
+            <a:fillRect/>
+          </a:stretch>
+        </p:blipFill>
+        <p:spPr>
+          <a:xfrm>
+            <a:off x="8491112" y="851187"/>
+            <a:ext cx="314369" cy="295316"/>
+          </a:xfrm>
+          <a:prstGeom prst="rect">
+            <a:avLst/>
+          </a:prstGeom>
+        </p:spPr>
+      </p:pic>
+      <p:cxnSp>
+        <p:nvCxnSpPr>
+          <p:cNvPr id="45" name="Connecteur droit avec flèche 44"/>
+          <p:cNvCxnSpPr>
+            <a:cxnSpLocks/>
+            <a:stCxn id="9" idx="3"/>
+            <a:endCxn id="85" idx="3"/>
+          </p:cNvCxnSpPr>
+          <p:nvPr>
+            <p:custDataLst>
+              <p:tags r:id="rId33"/>
+            </p:custDataLst>
+          </p:nvPr>
+        </p:nvCxnSpPr>
+        <p:spPr>
+          <a:xfrm flipH="1">
+            <a:off x="8191004" y="676379"/>
+            <a:ext cx="108348" cy="1719362"/>
+          </a:xfrm>
+          <a:prstGeom prst="curvedConnector3">
+            <a:avLst>
+              <a:gd name="adj1" fmla="val -210987"/>
+            </a:avLst>
+          </a:prstGeom>
+          <a:ln>
+            <a:solidFill>
+              <a:schemeClr val="bg2">
+                <a:lumMod val="75000"/>
+              </a:schemeClr>
+            </a:solidFill>
+            <a:tailEnd type="triangle"/>
+          </a:ln>
+        </p:spPr>
+        <p:style>
+          <a:lnRef idx="1">
+            <a:schemeClr val="accent1"/>
+          </a:lnRef>
+          <a:fillRef idx="0">
+            <a:schemeClr val="accent1"/>
+          </a:fillRef>
+          <a:effectRef idx="0">
+            <a:schemeClr val="accent1"/>
+          </a:effectRef>
+          <a:fontRef idx="minor">
+            <a:schemeClr val="tx1"/>
+          </a:fontRef>
+        </p:style>
+      </p:cxnSp>
     </p:spTree>
     <p:extLst>
       <p:ext uri="{BB962C8B-B14F-4D97-AF65-F5344CB8AC3E}">
@@ -9788,73 +9793,73 @@
 
 <file path=ppt/tags/tag105.xml><?xml version="1.0" encoding="utf-8"?>
 <p:tagLst xmlns:a="http://schemas.openxmlformats.org/drawingml/2006/main" xmlns:r="http://schemas.openxmlformats.org/officeDocument/2006/relationships" xmlns:p="http://schemas.openxmlformats.org/presentationml/2006/main">
+  <p:tag name="NUM" val="22"/>
+</p:tagLst>
+</file>
+
+<file path=ppt/tags/tag106.xml><?xml version="1.0" encoding="utf-8"?>
+<p:tagLst xmlns:a="http://schemas.openxmlformats.org/drawingml/2006/main" xmlns:r="http://schemas.openxmlformats.org/officeDocument/2006/relationships" xmlns:p="http://schemas.openxmlformats.org/presentationml/2006/main">
+  <p:tag name="NUM" val="24"/>
+</p:tagLst>
+</file>
+
+<file path=ppt/tags/tag107.xml><?xml version="1.0" encoding="utf-8"?>
+<p:tagLst xmlns:a="http://schemas.openxmlformats.org/drawingml/2006/main" xmlns:r="http://schemas.openxmlformats.org/officeDocument/2006/relationships" xmlns:p="http://schemas.openxmlformats.org/presentationml/2006/main">
+  <p:tag name="NUM" val="25"/>
+</p:tagLst>
+</file>
+
+<file path=ppt/tags/tag108.xml><?xml version="1.0" encoding="utf-8"?>
+<p:tagLst xmlns:a="http://schemas.openxmlformats.org/drawingml/2006/main" xmlns:r="http://schemas.openxmlformats.org/officeDocument/2006/relationships" xmlns:p="http://schemas.openxmlformats.org/presentationml/2006/main">
+  <p:tag name="NUM" val="23"/>
+</p:tagLst>
+</file>
+
+<file path=ppt/tags/tag109.xml><?xml version="1.0" encoding="utf-8"?>
+<p:tagLst xmlns:a="http://schemas.openxmlformats.org/drawingml/2006/main" xmlns:r="http://schemas.openxmlformats.org/officeDocument/2006/relationships" xmlns:p="http://schemas.openxmlformats.org/presentationml/2006/main">
+  <p:tag name="NUM" val="6"/>
+</p:tagLst>
+</file>
+
+<file path=ppt/tags/tag11.xml><?xml version="1.0" encoding="utf-8"?>
+<p:tagLst xmlns:a="http://schemas.openxmlformats.org/drawingml/2006/main" xmlns:r="http://schemas.openxmlformats.org/officeDocument/2006/relationships" xmlns:p="http://schemas.openxmlformats.org/presentationml/2006/main">
+  <p:tag name="NUM" val="11"/>
+</p:tagLst>
+</file>
+
+<file path=ppt/tags/tag110.xml><?xml version="1.0" encoding="utf-8"?>
+<p:tagLst xmlns:a="http://schemas.openxmlformats.org/drawingml/2006/main" xmlns:r="http://schemas.openxmlformats.org/officeDocument/2006/relationships" xmlns:p="http://schemas.openxmlformats.org/presentationml/2006/main">
+  <p:tag name="NUM" val="7"/>
+</p:tagLst>
+</file>
+
+<file path=ppt/tags/tag111.xml><?xml version="1.0" encoding="utf-8"?>
+<p:tagLst xmlns:a="http://schemas.openxmlformats.org/drawingml/2006/main" xmlns:r="http://schemas.openxmlformats.org/officeDocument/2006/relationships" xmlns:p="http://schemas.openxmlformats.org/presentationml/2006/main">
+  <p:tag name="NUM" val="16"/>
+</p:tagLst>
+</file>
+
+<file path=ppt/tags/tag112.xml><?xml version="1.0" encoding="utf-8"?>
+<p:tagLst xmlns:a="http://schemas.openxmlformats.org/drawingml/2006/main" xmlns:r="http://schemas.openxmlformats.org/officeDocument/2006/relationships" xmlns:p="http://schemas.openxmlformats.org/presentationml/2006/main">
+  <p:tag name="NUM" val="16"/>
+</p:tagLst>
+</file>
+
+<file path=ppt/tags/tag113.xml><?xml version="1.0" encoding="utf-8"?>
+<p:tagLst xmlns:a="http://schemas.openxmlformats.org/drawingml/2006/main" xmlns:r="http://schemas.openxmlformats.org/officeDocument/2006/relationships" xmlns:p="http://schemas.openxmlformats.org/presentationml/2006/main">
+  <p:tag name="NUM" val="16"/>
+</p:tagLst>
+</file>
+
+<file path=ppt/tags/tag114.xml><?xml version="1.0" encoding="utf-8"?>
+<p:tagLst xmlns:a="http://schemas.openxmlformats.org/drawingml/2006/main" xmlns:r="http://schemas.openxmlformats.org/officeDocument/2006/relationships" xmlns:p="http://schemas.openxmlformats.org/presentationml/2006/main">
+  <p:tag name="NUM" val="16"/>
+</p:tagLst>
+</file>
+
+<file path=ppt/tags/tag115.xml><?xml version="1.0" encoding="utf-8"?>
+<p:tagLst xmlns:a="http://schemas.openxmlformats.org/drawingml/2006/main" xmlns:r="http://schemas.openxmlformats.org/officeDocument/2006/relationships" xmlns:p="http://schemas.openxmlformats.org/presentationml/2006/main">
   <p:tag name="NUM" val="27"/>
-</p:tagLst>
-</file>
-
-<file path=ppt/tags/tag106.xml><?xml version="1.0" encoding="utf-8"?>
-<p:tagLst xmlns:a="http://schemas.openxmlformats.org/drawingml/2006/main" xmlns:r="http://schemas.openxmlformats.org/officeDocument/2006/relationships" xmlns:p="http://schemas.openxmlformats.org/presentationml/2006/main">
-  <p:tag name="NUM" val="22"/>
-</p:tagLst>
-</file>
-
-<file path=ppt/tags/tag107.xml><?xml version="1.0" encoding="utf-8"?>
-<p:tagLst xmlns:a="http://schemas.openxmlformats.org/drawingml/2006/main" xmlns:r="http://schemas.openxmlformats.org/officeDocument/2006/relationships" xmlns:p="http://schemas.openxmlformats.org/presentationml/2006/main">
-  <p:tag name="NUM" val="24"/>
-</p:tagLst>
-</file>
-
-<file path=ppt/tags/tag108.xml><?xml version="1.0" encoding="utf-8"?>
-<p:tagLst xmlns:a="http://schemas.openxmlformats.org/drawingml/2006/main" xmlns:r="http://schemas.openxmlformats.org/officeDocument/2006/relationships" xmlns:p="http://schemas.openxmlformats.org/presentationml/2006/main">
-  <p:tag name="NUM" val="25"/>
-</p:tagLst>
-</file>
-
-<file path=ppt/tags/tag109.xml><?xml version="1.0" encoding="utf-8"?>
-<p:tagLst xmlns:a="http://schemas.openxmlformats.org/drawingml/2006/main" xmlns:r="http://schemas.openxmlformats.org/officeDocument/2006/relationships" xmlns:p="http://schemas.openxmlformats.org/presentationml/2006/main">
-  <p:tag name="NUM" val="23"/>
-</p:tagLst>
-</file>
-
-<file path=ppt/tags/tag11.xml><?xml version="1.0" encoding="utf-8"?>
-<p:tagLst xmlns:a="http://schemas.openxmlformats.org/drawingml/2006/main" xmlns:r="http://schemas.openxmlformats.org/officeDocument/2006/relationships" xmlns:p="http://schemas.openxmlformats.org/presentationml/2006/main">
-  <p:tag name="NUM" val="11"/>
-</p:tagLst>
-</file>
-
-<file path=ppt/tags/tag110.xml><?xml version="1.0" encoding="utf-8"?>
-<p:tagLst xmlns:a="http://schemas.openxmlformats.org/drawingml/2006/main" xmlns:r="http://schemas.openxmlformats.org/officeDocument/2006/relationships" xmlns:p="http://schemas.openxmlformats.org/presentationml/2006/main">
-  <p:tag name="NUM" val="6"/>
-</p:tagLst>
-</file>
-
-<file path=ppt/tags/tag111.xml><?xml version="1.0" encoding="utf-8"?>
-<p:tagLst xmlns:a="http://schemas.openxmlformats.org/drawingml/2006/main" xmlns:r="http://schemas.openxmlformats.org/officeDocument/2006/relationships" xmlns:p="http://schemas.openxmlformats.org/presentationml/2006/main">
-  <p:tag name="NUM" val="7"/>
-</p:tagLst>
-</file>
-
-<file path=ppt/tags/tag112.xml><?xml version="1.0" encoding="utf-8"?>
-<p:tagLst xmlns:a="http://schemas.openxmlformats.org/drawingml/2006/main" xmlns:r="http://schemas.openxmlformats.org/officeDocument/2006/relationships" xmlns:p="http://schemas.openxmlformats.org/presentationml/2006/main">
-  <p:tag name="NUM" val="16"/>
-</p:tagLst>
-</file>
-
-<file path=ppt/tags/tag113.xml><?xml version="1.0" encoding="utf-8"?>
-<p:tagLst xmlns:a="http://schemas.openxmlformats.org/drawingml/2006/main" xmlns:r="http://schemas.openxmlformats.org/officeDocument/2006/relationships" xmlns:p="http://schemas.openxmlformats.org/presentationml/2006/main">
-  <p:tag name="NUM" val="16"/>
-</p:tagLst>
-</file>
-
-<file path=ppt/tags/tag114.xml><?xml version="1.0" encoding="utf-8"?>
-<p:tagLst xmlns:a="http://schemas.openxmlformats.org/drawingml/2006/main" xmlns:r="http://schemas.openxmlformats.org/officeDocument/2006/relationships" xmlns:p="http://schemas.openxmlformats.org/presentationml/2006/main">
-  <p:tag name="NUM" val="16"/>
-</p:tagLst>
-</file>
-
-<file path=ppt/tags/tag115.xml><?xml version="1.0" encoding="utf-8"?>
-<p:tagLst xmlns:a="http://schemas.openxmlformats.org/drawingml/2006/main" xmlns:r="http://schemas.openxmlformats.org/officeDocument/2006/relationships" xmlns:p="http://schemas.openxmlformats.org/presentationml/2006/main">
-  <p:tag name="NUM" val="16"/>
 </p:tagLst>
 </file>
 

--- a/Documentation/SchemaAssignation.pptx
+++ b/Documentation/SchemaAssignation.pptx
@@ -266,7 +266,7 @@
           <a:p>
             <a:fld id="{A2B27590-D842-4E1D-A11D-F3E5246461CF}" type="datetimeFigureOut">
               <a:rPr lang="fr-CA" smtClean="0"/>
-              <a:t>2020-05-05</a:t>
+              <a:t>2020-05-06</a:t>
             </a:fld>
             <a:endParaRPr lang="fr-CA"/>
           </a:p>
@@ -466,7 +466,7 @@
           <a:p>
             <a:fld id="{A2B27590-D842-4E1D-A11D-F3E5246461CF}" type="datetimeFigureOut">
               <a:rPr lang="fr-CA" smtClean="0"/>
-              <a:t>2020-05-05</a:t>
+              <a:t>2020-05-06</a:t>
             </a:fld>
             <a:endParaRPr lang="fr-CA"/>
           </a:p>
@@ -676,7 +676,7 @@
           <a:p>
             <a:fld id="{A2B27590-D842-4E1D-A11D-F3E5246461CF}" type="datetimeFigureOut">
               <a:rPr lang="fr-CA" smtClean="0"/>
-              <a:t>2020-05-05</a:t>
+              <a:t>2020-05-06</a:t>
             </a:fld>
             <a:endParaRPr lang="fr-CA"/>
           </a:p>
@@ -876,7 +876,7 @@
           <a:p>
             <a:fld id="{A2B27590-D842-4E1D-A11D-F3E5246461CF}" type="datetimeFigureOut">
               <a:rPr lang="fr-CA" smtClean="0"/>
-              <a:t>2020-05-05</a:t>
+              <a:t>2020-05-06</a:t>
             </a:fld>
             <a:endParaRPr lang="fr-CA"/>
           </a:p>
@@ -1152,7 +1152,7 @@
           <a:p>
             <a:fld id="{A2B27590-D842-4E1D-A11D-F3E5246461CF}" type="datetimeFigureOut">
               <a:rPr lang="fr-CA" smtClean="0"/>
-              <a:t>2020-05-05</a:t>
+              <a:t>2020-05-06</a:t>
             </a:fld>
             <a:endParaRPr lang="fr-CA"/>
           </a:p>
@@ -1420,7 +1420,7 @@
           <a:p>
             <a:fld id="{A2B27590-D842-4E1D-A11D-F3E5246461CF}" type="datetimeFigureOut">
               <a:rPr lang="fr-CA" smtClean="0"/>
-              <a:t>2020-05-05</a:t>
+              <a:t>2020-05-06</a:t>
             </a:fld>
             <a:endParaRPr lang="fr-CA"/>
           </a:p>
@@ -1835,7 +1835,7 @@
           <a:p>
             <a:fld id="{A2B27590-D842-4E1D-A11D-F3E5246461CF}" type="datetimeFigureOut">
               <a:rPr lang="fr-CA" smtClean="0"/>
-              <a:t>2020-05-05</a:t>
+              <a:t>2020-05-06</a:t>
             </a:fld>
             <a:endParaRPr lang="fr-CA"/>
           </a:p>
@@ -1977,7 +1977,7 @@
           <a:p>
             <a:fld id="{A2B27590-D842-4E1D-A11D-F3E5246461CF}" type="datetimeFigureOut">
               <a:rPr lang="fr-CA" smtClean="0"/>
-              <a:t>2020-05-05</a:t>
+              <a:t>2020-05-06</a:t>
             </a:fld>
             <a:endParaRPr lang="fr-CA"/>
           </a:p>
@@ -2090,7 +2090,7 @@
           <a:p>
             <a:fld id="{A2B27590-D842-4E1D-A11D-F3E5246461CF}" type="datetimeFigureOut">
               <a:rPr lang="fr-CA" smtClean="0"/>
-              <a:t>2020-05-05</a:t>
+              <a:t>2020-05-06</a:t>
             </a:fld>
             <a:endParaRPr lang="fr-CA"/>
           </a:p>
@@ -2403,7 +2403,7 @@
           <a:p>
             <a:fld id="{A2B27590-D842-4E1D-A11D-F3E5246461CF}" type="datetimeFigureOut">
               <a:rPr lang="fr-CA" smtClean="0"/>
-              <a:t>2020-05-05</a:t>
+              <a:t>2020-05-06</a:t>
             </a:fld>
             <a:endParaRPr lang="fr-CA"/>
           </a:p>
@@ -2692,7 +2692,7 @@
           <a:p>
             <a:fld id="{A2B27590-D842-4E1D-A11D-F3E5246461CF}" type="datetimeFigureOut">
               <a:rPr lang="fr-CA" smtClean="0"/>
-              <a:t>2020-05-05</a:t>
+              <a:t>2020-05-06</a:t>
             </a:fld>
             <a:endParaRPr lang="fr-CA"/>
           </a:p>
@@ -2935,7 +2935,7 @@
           <a:p>
             <a:fld id="{A2B27590-D842-4E1D-A11D-F3E5246461CF}" type="datetimeFigureOut">
               <a:rPr lang="fr-CA" smtClean="0"/>
-              <a:t>2020-05-05</a:t>
+              <a:t>2020-05-06</a:t>
             </a:fld>
             <a:endParaRPr lang="fr-CA"/>
           </a:p>
@@ -9688,13 +9688,68 @@
           </a:prstGeom>
         </p:spPr>
       </p:pic>
+      <p:sp>
+        <p:nvSpPr>
+          <p:cNvPr id="10" name="Rectangle 9">
+            <a:extLst>
+              <a:ext uri="{FF2B5EF4-FFF2-40B4-BE49-F238E27FC236}">
+                <a16:creationId xmlns:a16="http://schemas.microsoft.com/office/drawing/2014/main" id="{29D9F795-4518-4DAE-920E-46AFB3655354}"/>
+              </a:ext>
+            </a:extLst>
+          </p:cNvPr>
+          <p:cNvSpPr/>
+          <p:nvPr/>
+        </p:nvSpPr>
+        <p:spPr>
+          <a:xfrm>
+            <a:off x="7581547" y="2187956"/>
+            <a:ext cx="4061084" cy="960794"/>
+          </a:xfrm>
+          <a:prstGeom prst="rect">
+            <a:avLst/>
+          </a:prstGeom>
+          <a:solidFill>
+            <a:schemeClr val="bg1"/>
+          </a:solidFill>
+          <a:ln>
+            <a:solidFill>
+              <a:schemeClr val="bg1">
+                <a:lumMod val="85000"/>
+              </a:schemeClr>
+            </a:solidFill>
+          </a:ln>
+        </p:spPr>
+        <p:style>
+          <a:lnRef idx="2">
+            <a:schemeClr val="accent1">
+              <a:shade val="50000"/>
+            </a:schemeClr>
+          </a:lnRef>
+          <a:fillRef idx="1">
+            <a:schemeClr val="accent1"/>
+          </a:fillRef>
+          <a:effectRef idx="0">
+            <a:schemeClr val="accent1"/>
+          </a:effectRef>
+          <a:fontRef idx="minor">
+            <a:schemeClr val="lt1"/>
+          </a:fontRef>
+        </p:style>
+        <p:txBody>
+          <a:bodyPr rtlCol="0" anchor="ctr"/>
+          <a:lstStyle/>
+          <a:p>
+            <a:pPr algn="ctr"/>
+            <a:endParaRPr lang="fr-CA"/>
+          </a:p>
+        </p:txBody>
+      </p:sp>
       <p:cxnSp>
         <p:nvCxnSpPr>
           <p:cNvPr id="45" name="Connecteur droit avec flèche 44"/>
           <p:cNvCxnSpPr>
             <a:cxnSpLocks/>
             <a:stCxn id="9" idx="3"/>
-            <a:endCxn id="85" idx="3"/>
           </p:cNvCxnSpPr>
           <p:nvPr>
             <p:custDataLst>
@@ -9704,12 +9759,13 @@
         </p:nvCxnSpPr>
         <p:spPr>
           <a:xfrm flipH="1">
-            <a:off x="8191004" y="676379"/>
-            <a:ext cx="108348" cy="1719362"/>
-          </a:xfrm>
-          <a:prstGeom prst="curvedConnector3">
+            <a:off x="8036308" y="676379"/>
+            <a:ext cx="263044" cy="2513186"/>
+          </a:xfrm>
+          <a:prstGeom prst="curvedConnector4">
             <a:avLst>
-              <a:gd name="adj1" fmla="val -210987"/>
+              <a:gd name="adj1" fmla="val -86906"/>
+              <a:gd name="adj2" fmla="val 58266"/>
             </a:avLst>
           </a:prstGeom>
           <a:ln>
